--- a/Phase 3/Step 12 - Mongo DB Database.pptx
+++ b/Phase 3/Step 12 - Mongo DB Database.pptx
@@ -6,30 +6,15 @@
   </p:sldMasterIdLst>
   <p:sldIdLst>
     <p:sldId id="256" r:id="rId2"/>
-    <p:sldId id="278" r:id="rId3"/>
-    <p:sldId id="279" r:id="rId4"/>
-    <p:sldId id="280" r:id="rId5"/>
-    <p:sldId id="281" r:id="rId6"/>
-    <p:sldId id="282" r:id="rId7"/>
-    <p:sldId id="283" r:id="rId8"/>
-    <p:sldId id="284" r:id="rId9"/>
-    <p:sldId id="285" r:id="rId10"/>
-    <p:sldId id="286" r:id="rId11"/>
-    <p:sldId id="287" r:id="rId12"/>
-    <p:sldId id="288" r:id="rId13"/>
-    <p:sldId id="289" r:id="rId14"/>
-    <p:sldId id="290" r:id="rId15"/>
-    <p:sldId id="291" r:id="rId16"/>
-    <p:sldId id="292" r:id="rId17"/>
-    <p:sldId id="293" r:id="rId18"/>
-    <p:sldId id="294" r:id="rId19"/>
-    <p:sldId id="295" r:id="rId20"/>
-    <p:sldId id="296" r:id="rId21"/>
-    <p:sldId id="297" r:id="rId22"/>
-    <p:sldId id="298" r:id="rId23"/>
-    <p:sldId id="299" r:id="rId24"/>
-    <p:sldId id="300" r:id="rId25"/>
-    <p:sldId id="301" r:id="rId26"/>
+    <p:sldId id="303" r:id="rId3"/>
+    <p:sldId id="278" r:id="rId4"/>
+    <p:sldId id="302" r:id="rId5"/>
+    <p:sldId id="304" r:id="rId6"/>
+    <p:sldId id="305" r:id="rId7"/>
+    <p:sldId id="306" r:id="rId8"/>
+    <p:sldId id="307" r:id="rId9"/>
+    <p:sldId id="308" r:id="rId10"/>
+    <p:sldId id="309" r:id="rId11"/>
   </p:sldIdLst>
   <p:sldSz cx="12192000" cy="6858000"/>
   <p:notesSz cx="6858000" cy="9144000"/>
@@ -267,7 +252,7 @@
           <a:p>
             <a:fld id="{42386099-759E-47AF-B5BA-C91AC6CEC5A3}" type="datetimeFigureOut">
               <a:rPr lang="en-US" smtClean="0"/>
-              <a:t>1/6/2023</a:t>
+              <a:t>3/16/2023</a:t>
             </a:fld>
             <a:endParaRPr lang="en-US"/>
           </a:p>
@@ -437,7 +422,7 @@
           <a:p>
             <a:fld id="{42386099-759E-47AF-B5BA-C91AC6CEC5A3}" type="datetimeFigureOut">
               <a:rPr lang="en-US" smtClean="0"/>
-              <a:t>1/6/2023</a:t>
+              <a:t>3/16/2023</a:t>
             </a:fld>
             <a:endParaRPr lang="en-US"/>
           </a:p>
@@ -617,7 +602,7 @@
           <a:p>
             <a:fld id="{42386099-759E-47AF-B5BA-C91AC6CEC5A3}" type="datetimeFigureOut">
               <a:rPr lang="en-US" smtClean="0"/>
-              <a:t>1/6/2023</a:t>
+              <a:t>3/16/2023</a:t>
             </a:fld>
             <a:endParaRPr lang="en-US"/>
           </a:p>
@@ -787,7 +772,7 @@
           <a:p>
             <a:fld id="{42386099-759E-47AF-B5BA-C91AC6CEC5A3}" type="datetimeFigureOut">
               <a:rPr lang="en-US" smtClean="0"/>
-              <a:t>1/6/2023</a:t>
+              <a:t>3/16/2023</a:t>
             </a:fld>
             <a:endParaRPr lang="en-US"/>
           </a:p>
@@ -1033,7 +1018,7 @@
           <a:p>
             <a:fld id="{42386099-759E-47AF-B5BA-C91AC6CEC5A3}" type="datetimeFigureOut">
               <a:rPr lang="en-US" smtClean="0"/>
-              <a:t>1/6/2023</a:t>
+              <a:t>3/16/2023</a:t>
             </a:fld>
             <a:endParaRPr lang="en-US"/>
           </a:p>
@@ -1265,7 +1250,7 @@
           <a:p>
             <a:fld id="{42386099-759E-47AF-B5BA-C91AC6CEC5A3}" type="datetimeFigureOut">
               <a:rPr lang="en-US" smtClean="0"/>
-              <a:t>1/6/2023</a:t>
+              <a:t>3/16/2023</a:t>
             </a:fld>
             <a:endParaRPr lang="en-US"/>
           </a:p>
@@ -1632,7 +1617,7 @@
           <a:p>
             <a:fld id="{42386099-759E-47AF-B5BA-C91AC6CEC5A3}" type="datetimeFigureOut">
               <a:rPr lang="en-US" smtClean="0"/>
-              <a:t>1/6/2023</a:t>
+              <a:t>3/16/2023</a:t>
             </a:fld>
             <a:endParaRPr lang="en-US"/>
           </a:p>
@@ -1750,7 +1735,7 @@
           <a:p>
             <a:fld id="{42386099-759E-47AF-B5BA-C91AC6CEC5A3}" type="datetimeFigureOut">
               <a:rPr lang="en-US" smtClean="0"/>
-              <a:t>1/6/2023</a:t>
+              <a:t>3/16/2023</a:t>
             </a:fld>
             <a:endParaRPr lang="en-US"/>
           </a:p>
@@ -1845,7 +1830,7 @@
           <a:p>
             <a:fld id="{42386099-759E-47AF-B5BA-C91AC6CEC5A3}" type="datetimeFigureOut">
               <a:rPr lang="en-US" smtClean="0"/>
-              <a:t>1/6/2023</a:t>
+              <a:t>3/16/2023</a:t>
             </a:fld>
             <a:endParaRPr lang="en-US"/>
           </a:p>
@@ -2122,7 +2107,7 @@
           <a:p>
             <a:fld id="{42386099-759E-47AF-B5BA-C91AC6CEC5A3}" type="datetimeFigureOut">
               <a:rPr lang="en-US" smtClean="0"/>
-              <a:t>1/6/2023</a:t>
+              <a:t>3/16/2023</a:t>
             </a:fld>
             <a:endParaRPr lang="en-US"/>
           </a:p>
@@ -2375,7 +2360,7 @@
           <a:p>
             <a:fld id="{42386099-759E-47AF-B5BA-C91AC6CEC5A3}" type="datetimeFigureOut">
               <a:rPr lang="en-US" smtClean="0"/>
-              <a:t>1/6/2023</a:t>
+              <a:t>3/16/2023</a:t>
             </a:fld>
             <a:endParaRPr lang="en-US"/>
           </a:p>
@@ -2588,7 +2573,7 @@
           <a:p>
             <a:fld id="{42386099-759E-47AF-B5BA-C91AC6CEC5A3}" type="datetimeFigureOut">
               <a:rPr lang="en-US" smtClean="0"/>
-              <a:t>1/6/2023</a:t>
+              <a:t>3/16/2023</a:t>
             </a:fld>
             <a:endParaRPr lang="en-US"/>
           </a:p>
@@ -3010,7 +2995,11 @@
           <a:p>
             <a:r>
               <a:rPr lang="en-US" dirty="0" smtClean="0"/>
-              <a:t>Testing using Jasmine and Karma – Step 10</a:t>
+              <a:t>Mongo DB– </a:t>
+            </a:r>
+            <a:r>
+              <a:rPr lang="en-US" dirty="0" smtClean="0"/>
+              <a:t>Step 10</a:t>
             </a:r>
             <a:endParaRPr lang="en-US" dirty="0"/>
           </a:p>
@@ -3082,498 +3071,7 @@
           <a:p>
             <a:r>
               <a:rPr lang="en-US" dirty="0" smtClean="0"/>
-              <a:t>Now include both pages in SpecRunner.html page </a:t>
-            </a:r>
-            <a:endParaRPr lang="en-US" dirty="0"/>
-          </a:p>
-        </p:txBody>
-      </p:sp>
-      <p:pic>
-        <p:nvPicPr>
-          <p:cNvPr id="4" name="Content Placeholder 3"/>
-          <p:cNvPicPr>
-            <a:picLocks noGrp="1" noChangeAspect="1"/>
-          </p:cNvPicPr>
-          <p:nvPr>
-            <p:ph idx="1"/>
-          </p:nvPr>
-        </p:nvPicPr>
-        <p:blipFill>
-          <a:blip r:embed="rId2"/>
-          <a:stretch>
-            <a:fillRect/>
-          </a:stretch>
-        </p:blipFill>
-        <p:spPr>
-          <a:xfrm>
-            <a:off x="2219836" y="1825625"/>
-            <a:ext cx="7752327" cy="4351338"/>
-          </a:xfrm>
-          <a:prstGeom prst="rect">
-            <a:avLst/>
-          </a:prstGeom>
-        </p:spPr>
-      </p:pic>
-    </p:spTree>
-    <p:extLst>
-      <p:ext uri="{BB962C8B-B14F-4D97-AF65-F5344CB8AC3E}">
-        <p14:creationId xmlns:p14="http://schemas.microsoft.com/office/powerpoint/2010/main" val="3945910932"/>
-      </p:ext>
-    </p:extLst>
-  </p:cSld>
-  <p:clrMapOvr>
-    <a:masterClrMapping/>
-  </p:clrMapOvr>
-</p:sld>
-</file>
-
-<file path=ppt/slides/slide11.xml><?xml version="1.0" encoding="utf-8"?>
-<p:sld xmlns:a="http://schemas.openxmlformats.org/drawingml/2006/main" xmlns:r="http://schemas.openxmlformats.org/officeDocument/2006/relationships" xmlns:p="http://schemas.openxmlformats.org/presentationml/2006/main">
-  <p:cSld>
-    <p:spTree>
-      <p:nvGrpSpPr>
-        <p:cNvPr id="1" name=""/>
-        <p:cNvGrpSpPr/>
-        <p:nvPr/>
-      </p:nvGrpSpPr>
-      <p:grpSpPr>
-        <a:xfrm>
-          <a:off x="0" y="0"/>
-          <a:ext cx="0" cy="0"/>
-          <a:chOff x="0" y="0"/>
-          <a:chExt cx="0" cy="0"/>
-        </a:xfrm>
-      </p:grpSpPr>
-      <p:sp>
-        <p:nvSpPr>
-          <p:cNvPr id="2" name="Title 1"/>
-          <p:cNvSpPr>
-            <a:spLocks noGrp="1"/>
-          </p:cNvSpPr>
-          <p:nvPr>
-            <p:ph type="title"/>
-          </p:nvPr>
-        </p:nvSpPr>
-        <p:spPr/>
-        <p:txBody>
-          <a:bodyPr/>
-          <a:lstStyle/>
-          <a:p>
-            <a:r>
-              <a:rPr lang="en-US" dirty="0" smtClean="0"/>
-              <a:t>Running SpecRunner.html page </a:t>
-            </a:r>
-            <a:endParaRPr lang="en-US" dirty="0"/>
-          </a:p>
-        </p:txBody>
-      </p:sp>
-      <p:pic>
-        <p:nvPicPr>
-          <p:cNvPr id="4" name="Content Placeholder 3"/>
-          <p:cNvPicPr>
-            <a:picLocks noGrp="1" noChangeAspect="1"/>
-          </p:cNvPicPr>
-          <p:nvPr>
-            <p:ph idx="1"/>
-          </p:nvPr>
-        </p:nvPicPr>
-        <p:blipFill>
-          <a:blip r:embed="rId2"/>
-          <a:stretch>
-            <a:fillRect/>
-          </a:stretch>
-        </p:blipFill>
-        <p:spPr>
-          <a:xfrm>
-            <a:off x="1283553" y="2050405"/>
-            <a:ext cx="9624894" cy="3901778"/>
-          </a:xfrm>
-          <a:prstGeom prst="rect">
-            <a:avLst/>
-          </a:prstGeom>
-        </p:spPr>
-      </p:pic>
-    </p:spTree>
-    <p:extLst>
-      <p:ext uri="{BB962C8B-B14F-4D97-AF65-F5344CB8AC3E}">
-        <p14:creationId xmlns:p14="http://schemas.microsoft.com/office/powerpoint/2010/main" val="2065898554"/>
-      </p:ext>
-    </p:extLst>
-  </p:cSld>
-  <p:clrMapOvr>
-    <a:masterClrMapping/>
-  </p:clrMapOvr>
-</p:sld>
-</file>
-
-<file path=ppt/slides/slide12.xml><?xml version="1.0" encoding="utf-8"?>
-<p:sld xmlns:a="http://schemas.openxmlformats.org/drawingml/2006/main" xmlns:r="http://schemas.openxmlformats.org/officeDocument/2006/relationships" xmlns:p="http://schemas.openxmlformats.org/presentationml/2006/main">
-  <p:cSld>
-    <p:spTree>
-      <p:nvGrpSpPr>
-        <p:cNvPr id="1" name=""/>
-        <p:cNvGrpSpPr/>
-        <p:nvPr/>
-      </p:nvGrpSpPr>
-      <p:grpSpPr>
-        <a:xfrm>
-          <a:off x="0" y="0"/>
-          <a:ext cx="0" cy="0"/>
-          <a:chOff x="0" y="0"/>
-          <a:chExt cx="0" cy="0"/>
-        </a:xfrm>
-      </p:grpSpPr>
-      <p:sp>
-        <p:nvSpPr>
-          <p:cNvPr id="2" name="Title 1"/>
-          <p:cNvSpPr>
-            <a:spLocks noGrp="1"/>
-          </p:cNvSpPr>
-          <p:nvPr>
-            <p:ph type="title"/>
-          </p:nvPr>
-        </p:nvSpPr>
-        <p:spPr/>
-        <p:txBody>
-          <a:bodyPr/>
-          <a:lstStyle/>
-          <a:p>
-            <a:r>
-              <a:rPr lang="en-US" dirty="0" smtClean="0"/>
-              <a:t>Testing with angular framework </a:t>
-            </a:r>
-            <a:endParaRPr lang="en-US" dirty="0"/>
-          </a:p>
-        </p:txBody>
-      </p:sp>
-      <p:sp>
-        <p:nvSpPr>
-          <p:cNvPr id="3" name="Content Placeholder 2"/>
-          <p:cNvSpPr>
-            <a:spLocks noGrp="1"/>
-          </p:cNvSpPr>
-          <p:nvPr>
-            <p:ph idx="1"/>
-          </p:nvPr>
-        </p:nvSpPr>
-        <p:spPr/>
-        <p:txBody>
-          <a:bodyPr/>
-          <a:lstStyle/>
-          <a:p>
-            <a:r>
-              <a:rPr lang="en-US" dirty="0" smtClean="0"/>
-              <a:t>Angular internally use jasmine testing framework to test angular component, service, model classes. </a:t>
-            </a:r>
-          </a:p>
-          <a:p>
-            <a:r>
-              <a:rPr lang="en-US" dirty="0" smtClean="0"/>
-              <a:t>Angular provided all configuration details when we download all dependencies. </a:t>
-            </a:r>
-          </a:p>
-          <a:p>
-            <a:r>
-              <a:rPr lang="en-US" dirty="0" smtClean="0"/>
-              <a:t>Angular use karma test runner tool to check result. </a:t>
-            </a:r>
-          </a:p>
-          <a:p>
-            <a:r>
-              <a:rPr lang="en-US" dirty="0" smtClean="0"/>
-              <a:t>Angular provided testing utilities classes to check angular component, service and model etc. </a:t>
-            </a:r>
-            <a:endParaRPr lang="en-US" dirty="0"/>
-          </a:p>
-        </p:txBody>
-      </p:sp>
-    </p:spTree>
-    <p:extLst>
-      <p:ext uri="{BB962C8B-B14F-4D97-AF65-F5344CB8AC3E}">
-        <p14:creationId xmlns:p14="http://schemas.microsoft.com/office/powerpoint/2010/main" val="4242687449"/>
-      </p:ext>
-    </p:extLst>
-  </p:cSld>
-  <p:clrMapOvr>
-    <a:masterClrMapping/>
-  </p:clrMapOvr>
-</p:sld>
-</file>
-
-<file path=ppt/slides/slide13.xml><?xml version="1.0" encoding="utf-8"?>
-<p:sld xmlns:a="http://schemas.openxmlformats.org/drawingml/2006/main" xmlns:r="http://schemas.openxmlformats.org/officeDocument/2006/relationships" xmlns:p="http://schemas.openxmlformats.org/presentationml/2006/main">
-  <p:cSld>
-    <p:spTree>
-      <p:nvGrpSpPr>
-        <p:cNvPr id="1" name=""/>
-        <p:cNvGrpSpPr/>
-        <p:nvPr/>
-      </p:nvGrpSpPr>
-      <p:grpSpPr>
-        <a:xfrm>
-          <a:off x="0" y="0"/>
-          <a:ext cx="0" cy="0"/>
-          <a:chOff x="0" y="0"/>
-          <a:chExt cx="0" cy="0"/>
-        </a:xfrm>
-      </p:grpSpPr>
-      <p:sp>
-        <p:nvSpPr>
-          <p:cNvPr id="2" name="Title 1"/>
-          <p:cNvSpPr>
-            <a:spLocks noGrp="1"/>
-          </p:cNvSpPr>
-          <p:nvPr>
-            <p:ph type="title"/>
-          </p:nvPr>
-        </p:nvSpPr>
-        <p:spPr/>
-        <p:txBody>
-          <a:bodyPr/>
-          <a:lstStyle/>
-          <a:p>
-            <a:r>
-              <a:rPr lang="en-US" dirty="0" smtClean="0"/>
-              <a:t>Create the project as normal angular project</a:t>
-            </a:r>
-            <a:endParaRPr lang="en-US" dirty="0"/>
-          </a:p>
-        </p:txBody>
-      </p:sp>
-      <p:pic>
-        <p:nvPicPr>
-          <p:cNvPr id="4" name="Content Placeholder 3"/>
-          <p:cNvPicPr>
-            <a:picLocks noGrp="1" noChangeAspect="1"/>
-          </p:cNvPicPr>
-          <p:nvPr>
-            <p:ph idx="1"/>
-          </p:nvPr>
-        </p:nvPicPr>
-        <p:blipFill>
-          <a:blip r:embed="rId2"/>
-          <a:stretch>
-            <a:fillRect/>
-          </a:stretch>
-        </p:blipFill>
-        <p:spPr>
-          <a:xfrm>
-            <a:off x="1763418" y="1825625"/>
-            <a:ext cx="8665164" cy="4351338"/>
-          </a:xfrm>
-          <a:prstGeom prst="rect">
-            <a:avLst/>
-          </a:prstGeom>
-        </p:spPr>
-      </p:pic>
-    </p:spTree>
-    <p:extLst>
-      <p:ext uri="{BB962C8B-B14F-4D97-AF65-F5344CB8AC3E}">
-        <p14:creationId xmlns:p14="http://schemas.microsoft.com/office/powerpoint/2010/main" val="47660141"/>
-      </p:ext>
-    </p:extLst>
-  </p:cSld>
-  <p:clrMapOvr>
-    <a:masterClrMapping/>
-  </p:clrMapOvr>
-</p:sld>
-</file>
-
-<file path=ppt/slides/slide14.xml><?xml version="1.0" encoding="utf-8"?>
-<p:sld xmlns:a="http://schemas.openxmlformats.org/drawingml/2006/main" xmlns:r="http://schemas.openxmlformats.org/officeDocument/2006/relationships" xmlns:p="http://schemas.openxmlformats.org/presentationml/2006/main">
-  <p:cSld>
-    <p:spTree>
-      <p:nvGrpSpPr>
-        <p:cNvPr id="1" name=""/>
-        <p:cNvGrpSpPr/>
-        <p:nvPr/>
-      </p:nvGrpSpPr>
-      <p:grpSpPr>
-        <a:xfrm>
-          <a:off x="0" y="0"/>
-          <a:ext cx="0" cy="0"/>
-          <a:chOff x="0" y="0"/>
-          <a:chExt cx="0" cy="0"/>
-        </a:xfrm>
-      </p:grpSpPr>
-      <p:sp>
-        <p:nvSpPr>
-          <p:cNvPr id="2" name="Title 1"/>
-          <p:cNvSpPr>
-            <a:spLocks noGrp="1"/>
-          </p:cNvSpPr>
-          <p:nvPr>
-            <p:ph type="title"/>
-          </p:nvPr>
-        </p:nvSpPr>
-        <p:spPr/>
-        <p:txBody>
-          <a:bodyPr/>
-          <a:lstStyle/>
-          <a:p>
-            <a:r>
-              <a:rPr lang="en-US" dirty="0" smtClean="0"/>
-              <a:t>Sample testing file present in angular project </a:t>
-            </a:r>
-            <a:endParaRPr lang="en-US" dirty="0"/>
-          </a:p>
-        </p:txBody>
-      </p:sp>
-      <p:sp>
-        <p:nvSpPr>
-          <p:cNvPr id="3" name="Content Placeholder 2"/>
-          <p:cNvSpPr>
-            <a:spLocks noGrp="1"/>
-          </p:cNvSpPr>
-          <p:nvPr>
-            <p:ph idx="1"/>
-          </p:nvPr>
-        </p:nvSpPr>
-        <p:spPr/>
-        <p:txBody>
-          <a:bodyPr/>
-          <a:lstStyle/>
-          <a:p>
-            <a:r>
-              <a:rPr lang="en-US" dirty="0" err="1" smtClean="0"/>
-              <a:t>src</a:t>
-            </a:r>
-            <a:r>
-              <a:rPr lang="en-US" dirty="0" err="1" smtClean="0">
-                <a:sym typeface="Wingdings" panose="05000000000000000000" pitchFamily="2" charset="2"/>
-              </a:rPr>
-              <a:t>appapp.component.spec.ts</a:t>
-            </a:r>
-            <a:endParaRPr lang="en-US" dirty="0" smtClean="0">
-              <a:sym typeface="Wingdings" panose="05000000000000000000" pitchFamily="2" charset="2"/>
-            </a:endParaRPr>
-          </a:p>
-          <a:p>
-            <a:pPr marL="0" indent="0">
-              <a:buNone/>
-            </a:pPr>
-            <a:endParaRPr lang="en-US" dirty="0">
-              <a:sym typeface="Wingdings" panose="05000000000000000000" pitchFamily="2" charset="2"/>
-            </a:endParaRPr>
-          </a:p>
-          <a:p>
-            <a:pPr marL="0" indent="0">
-              <a:buNone/>
-            </a:pPr>
-            <a:r>
-              <a:rPr lang="en-US" dirty="0" smtClean="0">
-                <a:sym typeface="Wingdings" panose="05000000000000000000" pitchFamily="2" charset="2"/>
-              </a:rPr>
-              <a:t>	This file contains sample test case  </a:t>
-            </a:r>
-          </a:p>
-          <a:p>
-            <a:endParaRPr lang="en-US" dirty="0"/>
-          </a:p>
-        </p:txBody>
-      </p:sp>
-    </p:spTree>
-    <p:extLst>
-      <p:ext uri="{BB962C8B-B14F-4D97-AF65-F5344CB8AC3E}">
-        <p14:creationId xmlns:p14="http://schemas.microsoft.com/office/powerpoint/2010/main" val="452376842"/>
-      </p:ext>
-    </p:extLst>
-  </p:cSld>
-  <p:clrMapOvr>
-    <a:masterClrMapping/>
-  </p:clrMapOvr>
-</p:sld>
-</file>
-
-<file path=ppt/slides/slide15.xml><?xml version="1.0" encoding="utf-8"?>
-<p:sld xmlns:a="http://schemas.openxmlformats.org/drawingml/2006/main" xmlns:r="http://schemas.openxmlformats.org/officeDocument/2006/relationships" xmlns:p="http://schemas.openxmlformats.org/presentationml/2006/main">
-  <p:cSld>
-    <p:spTree>
-      <p:nvGrpSpPr>
-        <p:cNvPr id="1" name=""/>
-        <p:cNvGrpSpPr/>
-        <p:nvPr/>
-      </p:nvGrpSpPr>
-      <p:grpSpPr>
-        <a:xfrm>
-          <a:off x="0" y="0"/>
-          <a:ext cx="0" cy="0"/>
-          <a:chOff x="0" y="0"/>
-          <a:chExt cx="0" cy="0"/>
-        </a:xfrm>
-      </p:grpSpPr>
-      <p:pic>
-        <p:nvPicPr>
-          <p:cNvPr id="2" name="Picture 1"/>
-          <p:cNvPicPr>
-            <a:picLocks noChangeAspect="1"/>
-          </p:cNvPicPr>
-          <p:nvPr/>
-        </p:nvPicPr>
-        <p:blipFill>
-          <a:blip r:embed="rId2"/>
-          <a:stretch>
-            <a:fillRect/>
-          </a:stretch>
-        </p:blipFill>
-        <p:spPr>
-          <a:xfrm>
-            <a:off x="0" y="0"/>
-            <a:ext cx="12192000" cy="6940197"/>
-          </a:xfrm>
-          <a:prstGeom prst="rect">
-            <a:avLst/>
-          </a:prstGeom>
-        </p:spPr>
-      </p:pic>
-    </p:spTree>
-    <p:extLst>
-      <p:ext uri="{BB962C8B-B14F-4D97-AF65-F5344CB8AC3E}">
-        <p14:creationId xmlns:p14="http://schemas.microsoft.com/office/powerpoint/2010/main" val="1352104801"/>
-      </p:ext>
-    </p:extLst>
-  </p:cSld>
-  <p:clrMapOvr>
-    <a:masterClrMapping/>
-  </p:clrMapOvr>
-</p:sld>
-</file>
-
-<file path=ppt/slides/slide16.xml><?xml version="1.0" encoding="utf-8"?>
-<p:sld xmlns:a="http://schemas.openxmlformats.org/drawingml/2006/main" xmlns:r="http://schemas.openxmlformats.org/officeDocument/2006/relationships" xmlns:p="http://schemas.openxmlformats.org/presentationml/2006/main">
-  <p:cSld>
-    <p:spTree>
-      <p:nvGrpSpPr>
-        <p:cNvPr id="1" name=""/>
-        <p:cNvGrpSpPr/>
-        <p:nvPr/>
-      </p:nvGrpSpPr>
-      <p:grpSpPr>
-        <a:xfrm>
-          <a:off x="0" y="0"/>
-          <a:ext cx="0" cy="0"/>
-          <a:chOff x="0" y="0"/>
-          <a:chExt cx="0" cy="0"/>
-        </a:xfrm>
-      </p:grpSpPr>
-      <p:sp>
-        <p:nvSpPr>
-          <p:cNvPr id="2" name="Title 1"/>
-          <p:cNvSpPr>
-            <a:spLocks noGrp="1"/>
-          </p:cNvSpPr>
-          <p:nvPr>
-            <p:ph type="title"/>
-          </p:nvPr>
-        </p:nvSpPr>
-        <p:spPr/>
-        <p:txBody>
-          <a:bodyPr/>
-          <a:lstStyle/>
-          <a:p>
-            <a:r>
-              <a:rPr lang="en-US" dirty="0" smtClean="0"/>
-              <a:t>To run the test case </a:t>
+              <a:t>Update and delete documents from collection </a:t>
             </a:r>
             <a:endParaRPr lang="en-US" dirty="0"/>
           </a:p>
@@ -3592,27 +3090,138 @@
         <p:spPr>
           <a:xfrm>
             <a:off x="838200" y="1825625"/>
-            <a:ext cx="9608127" cy="991466"/>
+            <a:ext cx="5599545" cy="4351338"/>
           </a:xfrm>
         </p:spPr>
         <p:txBody>
-          <a:bodyPr/>
-          <a:lstStyle/>
-          <a:p>
-            <a:r>
-              <a:rPr lang="en-US" dirty="0" smtClean="0"/>
-              <a:t>We need to use the command as </a:t>
+          <a:bodyPr>
+            <a:normAutofit fontScale="92500" lnSpcReduction="10000"/>
+          </a:bodyPr>
+          <a:lstStyle/>
+          <a:p>
+            <a:r>
+              <a:rPr lang="en-US" dirty="0" smtClean="0"/>
+              <a:t>Update document field value in mongo </a:t>
+            </a:r>
+            <a:r>
+              <a:rPr lang="en-US" dirty="0" err="1" smtClean="0"/>
+              <a:t>db</a:t>
+            </a:r>
+            <a:r>
+              <a:rPr lang="en-US" dirty="0" smtClean="0"/>
+              <a:t> </a:t>
+            </a:r>
+          </a:p>
+          <a:p>
+            <a:r>
+              <a:rPr lang="en-US" dirty="0" err="1" smtClean="0"/>
+              <a:t>db.collectionName.update</a:t>
+            </a:r>
+            <a:r>
+              <a:rPr lang="en-US" dirty="0" smtClean="0"/>
+              <a:t>({</a:t>
+            </a:r>
+            <a:r>
+              <a:rPr lang="en-US" dirty="0" err="1" smtClean="0"/>
+              <a:t>key:value</a:t>
+            </a:r>
+            <a:r>
+              <a:rPr lang="en-US" dirty="0" smtClean="0"/>
+              <a:t>},{$set:{</a:t>
+            </a:r>
+            <a:r>
+              <a:rPr lang="en-US" dirty="0" err="1" smtClean="0"/>
+              <a:t>key:value</a:t>
+            </a:r>
+            <a:r>
+              <a:rPr lang="en-US" dirty="0" smtClean="0"/>
+              <a:t>})</a:t>
             </a:r>
           </a:p>
           <a:p>
             <a:pPr lvl="1"/>
             <a:r>
-              <a:rPr lang="en-US" dirty="0"/>
-              <a:t>n</a:t>
-            </a:r>
-            <a:r>
-              <a:rPr lang="en-US" dirty="0" smtClean="0"/>
-              <a:t>g test </a:t>
+              <a:rPr lang="en-US" dirty="0" err="1" smtClean="0"/>
+              <a:t>db.Employee.update</a:t>
+            </a:r>
+            <a:r>
+              <a:rPr lang="en-US" dirty="0" smtClean="0"/>
+              <a:t>({name:”</a:t>
+            </a:r>
+            <a:r>
+              <a:rPr lang="en-US" dirty="0" err="1" smtClean="0"/>
+              <a:t>Lokesh</a:t>
+            </a:r>
+            <a:r>
+              <a:rPr lang="en-US" dirty="0" smtClean="0"/>
+              <a:t>”},{$set:{age:24}})</a:t>
+            </a:r>
+          </a:p>
+          <a:p>
+            <a:r>
+              <a:rPr lang="en-US" dirty="0" smtClean="0"/>
+              <a:t>Remove document field value in </a:t>
+            </a:r>
+            <a:r>
+              <a:rPr lang="en-US" dirty="0" err="1" smtClean="0"/>
+              <a:t>mogno</a:t>
+            </a:r>
+            <a:r>
+              <a:rPr lang="en-US" dirty="0" smtClean="0"/>
+              <a:t> </a:t>
+            </a:r>
+            <a:r>
+              <a:rPr lang="en-US" dirty="0" err="1" smtClean="0"/>
+              <a:t>db</a:t>
+            </a:r>
+            <a:r>
+              <a:rPr lang="en-US" dirty="0" smtClean="0"/>
+              <a:t> </a:t>
+            </a:r>
+          </a:p>
+          <a:p>
+            <a:r>
+              <a:rPr lang="en-US" dirty="0" err="1"/>
+              <a:t>d</a:t>
+            </a:r>
+            <a:r>
+              <a:rPr lang="en-US" dirty="0" err="1" smtClean="0"/>
+              <a:t>b.collectionName.remove</a:t>
+            </a:r>
+            <a:r>
+              <a:rPr lang="en-US" dirty="0" smtClean="0"/>
+              <a:t>({</a:t>
+            </a:r>
+            <a:r>
+              <a:rPr lang="en-US" dirty="0" err="1" smtClean="0"/>
+              <a:t>key:value</a:t>
+            </a:r>
+            <a:r>
+              <a:rPr lang="en-US" dirty="0" smtClean="0"/>
+              <a:t>})</a:t>
+            </a:r>
+          </a:p>
+          <a:p>
+            <a:pPr lvl="1"/>
+            <a:r>
+              <a:rPr lang="en-US" dirty="0" err="1"/>
+              <a:t>d</a:t>
+            </a:r>
+            <a:r>
+              <a:rPr lang="en-US" dirty="0" err="1" smtClean="0"/>
+              <a:t>b.Employee.remove</a:t>
+            </a:r>
+            <a:r>
+              <a:rPr lang="en-US" dirty="0" smtClean="0"/>
+              <a:t>({</a:t>
+            </a:r>
+            <a:r>
+              <a:rPr lang="en-US" dirty="0" err="1" smtClean="0"/>
+              <a:t>name:”Ravi</a:t>
+            </a:r>
+            <a:r>
+              <a:rPr lang="en-US" dirty="0" smtClean="0"/>
+              <a:t>”})</a:t>
             </a:r>
             <a:endParaRPr lang="en-US" dirty="0"/>
           </a:p>
@@ -3634,8 +3243,8 @@
         </p:blipFill>
         <p:spPr>
           <a:xfrm>
-            <a:off x="184727" y="3481842"/>
-            <a:ext cx="12192000" cy="2720641"/>
+            <a:off x="6437745" y="1626467"/>
+            <a:ext cx="5783224" cy="4900085"/>
           </a:xfrm>
           <a:prstGeom prst="rect">
             <a:avLst/>
@@ -3645,223 +3254,7 @@
     </p:spTree>
     <p:extLst>
       <p:ext uri="{BB962C8B-B14F-4D97-AF65-F5344CB8AC3E}">
-        <p14:creationId xmlns:p14="http://schemas.microsoft.com/office/powerpoint/2010/main" val="1025171442"/>
-      </p:ext>
-    </p:extLst>
-  </p:cSld>
-  <p:clrMapOvr>
-    <a:masterClrMapping/>
-  </p:clrMapOvr>
-</p:sld>
-</file>
-
-<file path=ppt/slides/slide17.xml><?xml version="1.0" encoding="utf-8"?>
-<p:sld xmlns:a="http://schemas.openxmlformats.org/drawingml/2006/main" xmlns:r="http://schemas.openxmlformats.org/officeDocument/2006/relationships" xmlns:p="http://schemas.openxmlformats.org/presentationml/2006/main">
-  <p:cSld>
-    <p:spTree>
-      <p:nvGrpSpPr>
-        <p:cNvPr id="1" name=""/>
-        <p:cNvGrpSpPr/>
-        <p:nvPr/>
-      </p:nvGrpSpPr>
-      <p:grpSpPr>
-        <a:xfrm>
-          <a:off x="0" y="0"/>
-          <a:ext cx="0" cy="0"/>
-          <a:chOff x="0" y="0"/>
-          <a:chExt cx="0" cy="0"/>
-        </a:xfrm>
-      </p:grpSpPr>
-      <p:pic>
-        <p:nvPicPr>
-          <p:cNvPr id="2" name="Picture 1"/>
-          <p:cNvPicPr>
-            <a:picLocks noChangeAspect="1"/>
-          </p:cNvPicPr>
-          <p:nvPr/>
-        </p:nvPicPr>
-        <p:blipFill>
-          <a:blip r:embed="rId2"/>
-          <a:stretch>
-            <a:fillRect/>
-          </a:stretch>
-        </p:blipFill>
-        <p:spPr>
-          <a:xfrm>
-            <a:off x="1593908" y="0"/>
-            <a:ext cx="9004184" cy="6858000"/>
-          </a:xfrm>
-          <a:prstGeom prst="rect">
-            <a:avLst/>
-          </a:prstGeom>
-        </p:spPr>
-      </p:pic>
-    </p:spTree>
-    <p:extLst>
-      <p:ext uri="{BB962C8B-B14F-4D97-AF65-F5344CB8AC3E}">
-        <p14:creationId xmlns:p14="http://schemas.microsoft.com/office/powerpoint/2010/main" val="1714753965"/>
-      </p:ext>
-    </p:extLst>
-  </p:cSld>
-  <p:clrMapOvr>
-    <a:masterClrMapping/>
-  </p:clrMapOvr>
-</p:sld>
-</file>
-
-<file path=ppt/slides/slide18.xml><?xml version="1.0" encoding="utf-8"?>
-<p:sld xmlns:a="http://schemas.openxmlformats.org/drawingml/2006/main" xmlns:r="http://schemas.openxmlformats.org/officeDocument/2006/relationships" xmlns:p="http://schemas.openxmlformats.org/presentationml/2006/main">
-  <p:cSld>
-    <p:spTree>
-      <p:nvGrpSpPr>
-        <p:cNvPr id="1" name=""/>
-        <p:cNvGrpSpPr/>
-        <p:nvPr/>
-      </p:nvGrpSpPr>
-      <p:grpSpPr>
-        <a:xfrm>
-          <a:off x="0" y="0"/>
-          <a:ext cx="0" cy="0"/>
-          <a:chOff x="0" y="0"/>
-          <a:chExt cx="0" cy="0"/>
-        </a:xfrm>
-      </p:grpSpPr>
-      <p:sp>
-        <p:nvSpPr>
-          <p:cNvPr id="2" name="Title 1"/>
-          <p:cNvSpPr>
-            <a:spLocks noGrp="1"/>
-          </p:cNvSpPr>
-          <p:nvPr>
-            <p:ph type="title"/>
-          </p:nvPr>
-        </p:nvSpPr>
-        <p:spPr/>
-        <p:txBody>
-          <a:bodyPr/>
-          <a:lstStyle/>
-          <a:p>
-            <a:r>
-              <a:rPr lang="en-US" dirty="0" smtClean="0"/>
-              <a:t>Testing in banking application </a:t>
-            </a:r>
-            <a:endParaRPr lang="en-US" dirty="0"/>
-          </a:p>
-        </p:txBody>
-      </p:sp>
-      <p:pic>
-        <p:nvPicPr>
-          <p:cNvPr id="4" name="Content Placeholder 3"/>
-          <p:cNvPicPr>
-            <a:picLocks noGrp="1" noChangeAspect="1"/>
-          </p:cNvPicPr>
-          <p:nvPr>
-            <p:ph idx="1"/>
-          </p:nvPr>
-        </p:nvPicPr>
-        <p:blipFill>
-          <a:blip r:embed="rId2"/>
-          <a:stretch>
-            <a:fillRect/>
-          </a:stretch>
-        </p:blipFill>
-        <p:spPr>
-          <a:xfrm>
-            <a:off x="838200" y="3255764"/>
-            <a:ext cx="10515600" cy="1491059"/>
-          </a:xfrm>
-          <a:prstGeom prst="rect">
-            <a:avLst/>
-          </a:prstGeom>
-        </p:spPr>
-      </p:pic>
-    </p:spTree>
-    <p:extLst>
-      <p:ext uri="{BB962C8B-B14F-4D97-AF65-F5344CB8AC3E}">
-        <p14:creationId xmlns:p14="http://schemas.microsoft.com/office/powerpoint/2010/main" val="1199391653"/>
-      </p:ext>
-    </p:extLst>
-  </p:cSld>
-  <p:clrMapOvr>
-    <a:masterClrMapping/>
-  </p:clrMapOvr>
-</p:sld>
-</file>
-
-<file path=ppt/slides/slide19.xml><?xml version="1.0" encoding="utf-8"?>
-<p:sld xmlns:a="http://schemas.openxmlformats.org/drawingml/2006/main" xmlns:r="http://schemas.openxmlformats.org/officeDocument/2006/relationships" xmlns:p="http://schemas.openxmlformats.org/presentationml/2006/main">
-  <p:cSld>
-    <p:spTree>
-      <p:nvGrpSpPr>
-        <p:cNvPr id="1" name=""/>
-        <p:cNvGrpSpPr/>
-        <p:nvPr/>
-      </p:nvGrpSpPr>
-      <p:grpSpPr>
-        <a:xfrm>
-          <a:off x="0" y="0"/>
-          <a:ext cx="0" cy="0"/>
-          <a:chOff x="0" y="0"/>
-          <a:chExt cx="0" cy="0"/>
-        </a:xfrm>
-      </p:grpSpPr>
-      <p:sp>
-        <p:nvSpPr>
-          <p:cNvPr id="2" name="Title 1"/>
-          <p:cNvSpPr>
-            <a:spLocks noGrp="1"/>
-          </p:cNvSpPr>
-          <p:nvPr>
-            <p:ph type="title"/>
-          </p:nvPr>
-        </p:nvSpPr>
-        <p:spPr/>
-        <p:txBody>
-          <a:bodyPr/>
-          <a:lstStyle/>
-          <a:p>
-            <a:r>
-              <a:rPr lang="en-US" dirty="0" err="1"/>
-              <a:t>a</a:t>
-            </a:r>
-            <a:r>
-              <a:rPr lang="en-US" dirty="0" err="1" smtClean="0"/>
-              <a:t>pp.component.spec.ts</a:t>
-            </a:r>
-            <a:endParaRPr lang="en-US" dirty="0"/>
-          </a:p>
-        </p:txBody>
-      </p:sp>
-      <p:pic>
-        <p:nvPicPr>
-          <p:cNvPr id="4" name="Content Placeholder 3"/>
-          <p:cNvPicPr>
-            <a:picLocks noGrp="1" noChangeAspect="1"/>
-          </p:cNvPicPr>
-          <p:nvPr>
-            <p:ph idx="1"/>
-          </p:nvPr>
-        </p:nvPicPr>
-        <p:blipFill>
-          <a:blip r:embed="rId2"/>
-          <a:stretch>
-            <a:fillRect/>
-          </a:stretch>
-        </p:blipFill>
-        <p:spPr>
-          <a:xfrm>
-            <a:off x="2161070" y="1825625"/>
-            <a:ext cx="7869860" cy="4351338"/>
-          </a:xfrm>
-          <a:prstGeom prst="rect">
-            <a:avLst/>
-          </a:prstGeom>
-        </p:spPr>
-      </p:pic>
-    </p:spTree>
-    <p:extLst>
-      <p:ext uri="{BB962C8B-B14F-4D97-AF65-F5344CB8AC3E}">
-        <p14:creationId xmlns:p14="http://schemas.microsoft.com/office/powerpoint/2010/main" val="813623825"/>
+        <p14:creationId xmlns:p14="http://schemas.microsoft.com/office/powerpoint/2010/main" val="3711588408"/>
       </p:ext>
     </p:extLst>
   </p:cSld>
@@ -3905,7 +3298,7 @@
           <a:p>
             <a:r>
               <a:rPr lang="en-US" dirty="0" smtClean="0"/>
-              <a:t>Testing </a:t>
+              <a:t>No SQL Database </a:t>
             </a:r>
             <a:endParaRPr lang="en-US" dirty="0"/>
           </a:p>
@@ -3923,64 +3316,132 @@
         </p:nvSpPr>
         <p:spPr/>
         <p:txBody>
-          <a:bodyPr/>
-          <a:lstStyle/>
-          <a:p>
-            <a:r>
-              <a:rPr lang="en-US" dirty="0" smtClean="0"/>
-              <a:t>Testing is use to find the defect or bugs or error in the application. </a:t>
+          <a:bodyPr>
+            <a:normAutofit fontScale="92500" lnSpcReduction="10000"/>
+          </a:bodyPr>
+          <a:lstStyle/>
+          <a:p>
+            <a:r>
+              <a:rPr lang="en-US" dirty="0" smtClean="0"/>
+              <a:t>In SQL database we store the data in table format. </a:t>
+            </a:r>
+          </a:p>
+          <a:p>
+            <a:r>
+              <a:rPr lang="en-US" dirty="0" smtClean="0"/>
+              <a:t>In SQL we use column and row concept which help to store homogenous data </a:t>
+            </a:r>
+          </a:p>
+          <a:p>
+            <a:r>
+              <a:rPr lang="en-US" dirty="0" smtClean="0"/>
+              <a:t>In SQL before storing we have to define the schema and then we have to store </a:t>
+            </a:r>
+          </a:p>
+          <a:p>
+            <a:r>
+              <a:rPr lang="en-US" dirty="0" smtClean="0"/>
+              <a:t>But we if want to store heterogeneous and schema less databases are</a:t>
             </a:r>
           </a:p>
           <a:p>
             <a:r>
               <a:rPr lang="en-US" dirty="0"/>
-              <a:t>Tests are the best way to prevent software defects</a:t>
-            </a:r>
-            <a:r>
-              <a:rPr lang="en-US" dirty="0" smtClean="0"/>
-              <a:t>.</a:t>
-            </a:r>
-          </a:p>
-          <a:p>
-            <a:r>
-              <a:rPr lang="en-US" dirty="0" smtClean="0"/>
-              <a:t>There are two types of testing </a:t>
+              <a:t>No SQL Databases present in market are </a:t>
             </a:r>
           </a:p>
           <a:p>
             <a:pPr lvl="1"/>
             <a:r>
-              <a:rPr lang="en-US" dirty="0" smtClean="0"/>
-              <a:t>Black box testing : </a:t>
-            </a:r>
-            <a:r>
-              <a:rPr lang="en-US" dirty="0"/>
-              <a:t>Black box testing </a:t>
-            </a:r>
-            <a:r>
-              <a:rPr lang="en-US" b="1" dirty="0"/>
-              <a:t>involves testing a system with no prior knowledge of its internal workings</a:t>
-            </a:r>
-            <a:r>
-              <a:rPr lang="en-US" dirty="0"/>
-              <a:t>.</a:t>
-            </a:r>
-            <a:endParaRPr lang="en-US" dirty="0" smtClean="0"/>
+              <a:rPr lang="en-IN" dirty="0"/>
+              <a:t>Key-value -</a:t>
+            </a:r>
+            <a:r>
+              <a:rPr lang="en-IN" dirty="0">
+                <a:sym typeface="Wingdings" panose="05000000000000000000" pitchFamily="2" charset="2"/>
+              </a:rPr>
+              <a:t></a:t>
+            </a:r>
+            <a:r>
+              <a:rPr lang="en-IN" dirty="0"/>
+              <a:t> </a:t>
+            </a:r>
+            <a:r>
+              <a:rPr lang="en-IN" dirty="0" err="1"/>
+              <a:t>redis</a:t>
+            </a:r>
+            <a:r>
+              <a:rPr lang="en-IN" dirty="0"/>
+              <a:t> </a:t>
+            </a:r>
+            <a:endParaRPr lang="en-US" dirty="0"/>
           </a:p>
           <a:p>
             <a:pPr lvl="1"/>
             <a:r>
-              <a:rPr lang="en-US" dirty="0" smtClean="0"/>
-              <a:t>White box testing : </a:t>
-            </a:r>
-            <a:r>
-              <a:rPr lang="en-US" dirty="0"/>
-              <a:t>White box testing techniques </a:t>
-            </a:r>
-            <a:r>
-              <a:rPr lang="en-US" b="1" dirty="0"/>
-              <a:t>analyze the internal structures the used data structures, internal design, code structure</a:t>
-            </a:r>
+              <a:rPr lang="en-IN" dirty="0"/>
+              <a:t>Graph database </a:t>
+            </a:r>
+            <a:r>
+              <a:rPr lang="en-IN" dirty="0">
+                <a:sym typeface="Wingdings" panose="05000000000000000000" pitchFamily="2" charset="2"/>
+              </a:rPr>
+              <a:t></a:t>
+            </a:r>
+            <a:r>
+              <a:rPr lang="en-IN" dirty="0"/>
+              <a:t> Neo4j </a:t>
+            </a:r>
+            <a:endParaRPr lang="en-US" dirty="0"/>
+          </a:p>
+          <a:p>
+            <a:pPr lvl="1"/>
+            <a:r>
+              <a:rPr lang="en-IN" dirty="0"/>
+              <a:t>Document oriented -</a:t>
+            </a:r>
+            <a:r>
+              <a:rPr lang="en-IN" dirty="0">
+                <a:sym typeface="Wingdings" panose="05000000000000000000" pitchFamily="2" charset="2"/>
+              </a:rPr>
+              <a:t></a:t>
+            </a:r>
+            <a:r>
+              <a:rPr lang="en-IN" dirty="0"/>
+              <a:t> Mongo DB </a:t>
+            </a:r>
+            <a:endParaRPr lang="en-US" dirty="0"/>
+          </a:p>
+          <a:p>
+            <a:pPr lvl="1"/>
+            <a:r>
+              <a:rPr lang="en-IN" dirty="0"/>
+              <a:t>Column family </a:t>
+            </a:r>
+            <a:r>
+              <a:rPr lang="en-IN" dirty="0">
+                <a:sym typeface="Wingdings" panose="05000000000000000000" pitchFamily="2" charset="2"/>
+              </a:rPr>
+              <a:t></a:t>
+            </a:r>
+            <a:r>
+              <a:rPr lang="en-IN" dirty="0"/>
+              <a:t> Cassandra and </a:t>
+            </a:r>
+            <a:r>
+              <a:rPr lang="en-IN" dirty="0" err="1"/>
+              <a:t>HBase</a:t>
+            </a:r>
+            <a:r>
+              <a:rPr lang="en-IN" dirty="0"/>
+              <a:t> </a:t>
+            </a:r>
+            <a:r>
+              <a:rPr lang="en-US" dirty="0" smtClean="0"/>
+              <a:t> </a:t>
+            </a:r>
+          </a:p>
+          <a:p>
             <a:endParaRPr lang="en-US" dirty="0"/>
           </a:p>
         </p:txBody>
@@ -3988,464 +3449,7 @@
     </p:spTree>
     <p:extLst>
       <p:ext uri="{BB962C8B-B14F-4D97-AF65-F5344CB8AC3E}">
-        <p14:creationId xmlns:p14="http://schemas.microsoft.com/office/powerpoint/2010/main" val="965558226"/>
-      </p:ext>
-    </p:extLst>
-  </p:cSld>
-  <p:clrMapOvr>
-    <a:masterClrMapping/>
-  </p:clrMapOvr>
-</p:sld>
-</file>
-
-<file path=ppt/slides/slide20.xml><?xml version="1.0" encoding="utf-8"?>
-<p:sld xmlns:a="http://schemas.openxmlformats.org/drawingml/2006/main" xmlns:r="http://schemas.openxmlformats.org/officeDocument/2006/relationships" xmlns:p="http://schemas.openxmlformats.org/presentationml/2006/main">
-  <p:cSld>
-    <p:spTree>
-      <p:nvGrpSpPr>
-        <p:cNvPr id="1" name=""/>
-        <p:cNvGrpSpPr/>
-        <p:nvPr/>
-      </p:nvGrpSpPr>
-      <p:grpSpPr>
-        <a:xfrm>
-          <a:off x="0" y="0"/>
-          <a:ext cx="0" cy="0"/>
-          <a:chOff x="0" y="0"/>
-          <a:chExt cx="0" cy="0"/>
-        </a:xfrm>
-      </p:grpSpPr>
-      <p:sp>
-        <p:nvSpPr>
-          <p:cNvPr id="2" name="Title 1"/>
-          <p:cNvSpPr>
-            <a:spLocks noGrp="1"/>
-          </p:cNvSpPr>
-          <p:nvPr>
-            <p:ph type="title"/>
-          </p:nvPr>
-        </p:nvSpPr>
-        <p:spPr/>
-        <p:txBody>
-          <a:bodyPr/>
-          <a:lstStyle/>
-          <a:p>
-            <a:r>
-              <a:rPr lang="en-US" dirty="0" err="1" smtClean="0"/>
-              <a:t>Home.component.spec.ts</a:t>
-            </a:r>
-            <a:endParaRPr lang="en-US" dirty="0"/>
-          </a:p>
-        </p:txBody>
-      </p:sp>
-      <p:pic>
-        <p:nvPicPr>
-          <p:cNvPr id="4" name="Content Placeholder 3"/>
-          <p:cNvPicPr>
-            <a:picLocks noGrp="1" noChangeAspect="1"/>
-          </p:cNvPicPr>
-          <p:nvPr>
-            <p:ph idx="1"/>
-          </p:nvPr>
-        </p:nvPicPr>
-        <p:blipFill>
-          <a:blip r:embed="rId2"/>
-          <a:stretch>
-            <a:fillRect/>
-          </a:stretch>
-        </p:blipFill>
-        <p:spPr>
-          <a:xfrm>
-            <a:off x="1915574" y="1825625"/>
-            <a:ext cx="8360851" cy="4351338"/>
-          </a:xfrm>
-          <a:prstGeom prst="rect">
-            <a:avLst/>
-          </a:prstGeom>
-        </p:spPr>
-      </p:pic>
-    </p:spTree>
-    <p:extLst>
-      <p:ext uri="{BB962C8B-B14F-4D97-AF65-F5344CB8AC3E}">
-        <p14:creationId xmlns:p14="http://schemas.microsoft.com/office/powerpoint/2010/main" val="3531282331"/>
-      </p:ext>
-    </p:extLst>
-  </p:cSld>
-  <p:clrMapOvr>
-    <a:masterClrMapping/>
-  </p:clrMapOvr>
-</p:sld>
-</file>
-
-<file path=ppt/slides/slide21.xml><?xml version="1.0" encoding="utf-8"?>
-<p:sld xmlns:a="http://schemas.openxmlformats.org/drawingml/2006/main" xmlns:r="http://schemas.openxmlformats.org/officeDocument/2006/relationships" xmlns:p="http://schemas.openxmlformats.org/presentationml/2006/main">
-  <p:cSld>
-    <p:spTree>
-      <p:nvGrpSpPr>
-        <p:cNvPr id="1" name=""/>
-        <p:cNvGrpSpPr/>
-        <p:nvPr/>
-      </p:nvGrpSpPr>
-      <p:grpSpPr>
-        <a:xfrm>
-          <a:off x="0" y="0"/>
-          <a:ext cx="0" cy="0"/>
-          <a:chOff x="0" y="0"/>
-          <a:chExt cx="0" cy="0"/>
-        </a:xfrm>
-      </p:grpSpPr>
-      <p:sp>
-        <p:nvSpPr>
-          <p:cNvPr id="2" name="Title 1"/>
-          <p:cNvSpPr>
-            <a:spLocks noGrp="1"/>
-          </p:cNvSpPr>
-          <p:nvPr>
-            <p:ph type="title"/>
-          </p:nvPr>
-        </p:nvSpPr>
-        <p:spPr/>
-        <p:txBody>
-          <a:bodyPr/>
-          <a:lstStyle/>
-          <a:p>
-            <a:r>
-              <a:rPr lang="en-US" dirty="0" smtClean="0"/>
-              <a:t>Customer-</a:t>
-            </a:r>
-            <a:r>
-              <a:rPr lang="en-US" dirty="0" err="1" smtClean="0"/>
-              <a:t>home.component.spec.ts</a:t>
-            </a:r>
-            <a:endParaRPr lang="en-US" dirty="0"/>
-          </a:p>
-        </p:txBody>
-      </p:sp>
-      <p:pic>
-        <p:nvPicPr>
-          <p:cNvPr id="4" name="Content Placeholder 3"/>
-          <p:cNvPicPr>
-            <a:picLocks noGrp="1" noChangeAspect="1"/>
-          </p:cNvPicPr>
-          <p:nvPr>
-            <p:ph idx="1"/>
-          </p:nvPr>
-        </p:nvPicPr>
-        <p:blipFill>
-          <a:blip r:embed="rId2"/>
-          <a:stretch>
-            <a:fillRect/>
-          </a:stretch>
-        </p:blipFill>
-        <p:spPr>
-          <a:xfrm>
-            <a:off x="1807030" y="1825625"/>
-            <a:ext cx="8577940" cy="4351338"/>
-          </a:xfrm>
-          <a:prstGeom prst="rect">
-            <a:avLst/>
-          </a:prstGeom>
-        </p:spPr>
-      </p:pic>
-    </p:spTree>
-    <p:extLst>
-      <p:ext uri="{BB962C8B-B14F-4D97-AF65-F5344CB8AC3E}">
-        <p14:creationId xmlns:p14="http://schemas.microsoft.com/office/powerpoint/2010/main" val="1099499755"/>
-      </p:ext>
-    </p:extLst>
-  </p:cSld>
-  <p:clrMapOvr>
-    <a:masterClrMapping/>
-  </p:clrMapOvr>
-</p:sld>
-</file>
-
-<file path=ppt/slides/slide22.xml><?xml version="1.0" encoding="utf-8"?>
-<p:sld xmlns:a="http://schemas.openxmlformats.org/drawingml/2006/main" xmlns:r="http://schemas.openxmlformats.org/officeDocument/2006/relationships" xmlns:p="http://schemas.openxmlformats.org/presentationml/2006/main">
-  <p:cSld>
-    <p:spTree>
-      <p:nvGrpSpPr>
-        <p:cNvPr id="1" name=""/>
-        <p:cNvGrpSpPr/>
-        <p:nvPr/>
-      </p:nvGrpSpPr>
-      <p:grpSpPr>
-        <a:xfrm>
-          <a:off x="0" y="0"/>
-          <a:ext cx="0" cy="0"/>
-          <a:chOff x="0" y="0"/>
-          <a:chExt cx="0" cy="0"/>
-        </a:xfrm>
-      </p:grpSpPr>
-      <p:sp>
-        <p:nvSpPr>
-          <p:cNvPr id="2" name="Title 1"/>
-          <p:cNvSpPr>
-            <a:spLocks noGrp="1"/>
-          </p:cNvSpPr>
-          <p:nvPr>
-            <p:ph type="title"/>
-          </p:nvPr>
-        </p:nvSpPr>
-        <p:spPr/>
-        <p:txBody>
-          <a:bodyPr/>
-          <a:lstStyle/>
-          <a:p>
-            <a:r>
-              <a:rPr lang="en-US" dirty="0" smtClean="0"/>
-              <a:t>Admin-</a:t>
-            </a:r>
-            <a:r>
-              <a:rPr lang="en-US" dirty="0" err="1" smtClean="0"/>
-              <a:t>home.component.spec.ts</a:t>
-            </a:r>
-            <a:endParaRPr lang="en-US" dirty="0"/>
-          </a:p>
-        </p:txBody>
-      </p:sp>
-      <p:pic>
-        <p:nvPicPr>
-          <p:cNvPr id="4" name="Content Placeholder 3"/>
-          <p:cNvPicPr>
-            <a:picLocks noGrp="1" noChangeAspect="1"/>
-          </p:cNvPicPr>
-          <p:nvPr>
-            <p:ph idx="1"/>
-          </p:nvPr>
-        </p:nvPicPr>
-        <p:blipFill>
-          <a:blip r:embed="rId2"/>
-          <a:stretch>
-            <a:fillRect/>
-          </a:stretch>
-        </p:blipFill>
-        <p:spPr>
-          <a:xfrm>
-            <a:off x="1890354" y="1825625"/>
-            <a:ext cx="8411291" cy="4351338"/>
-          </a:xfrm>
-          <a:prstGeom prst="rect">
-            <a:avLst/>
-          </a:prstGeom>
-        </p:spPr>
-      </p:pic>
-    </p:spTree>
-    <p:extLst>
-      <p:ext uri="{BB962C8B-B14F-4D97-AF65-F5344CB8AC3E}">
-        <p14:creationId xmlns:p14="http://schemas.microsoft.com/office/powerpoint/2010/main" val="2990441641"/>
-      </p:ext>
-    </p:extLst>
-  </p:cSld>
-  <p:clrMapOvr>
-    <a:masterClrMapping/>
-  </p:clrMapOvr>
-</p:sld>
-</file>
-
-<file path=ppt/slides/slide23.xml><?xml version="1.0" encoding="utf-8"?>
-<p:sld xmlns:a="http://schemas.openxmlformats.org/drawingml/2006/main" xmlns:r="http://schemas.openxmlformats.org/officeDocument/2006/relationships" xmlns:p="http://schemas.openxmlformats.org/presentationml/2006/main">
-  <p:cSld>
-    <p:spTree>
-      <p:nvGrpSpPr>
-        <p:cNvPr id="1" name=""/>
-        <p:cNvGrpSpPr/>
-        <p:nvPr/>
-      </p:nvGrpSpPr>
-      <p:grpSpPr>
-        <a:xfrm>
-          <a:off x="0" y="0"/>
-          <a:ext cx="0" cy="0"/>
-          <a:chOff x="0" y="0"/>
-          <a:chExt cx="0" cy="0"/>
-        </a:xfrm>
-      </p:grpSpPr>
-      <p:sp>
-        <p:nvSpPr>
-          <p:cNvPr id="2" name="Title 1"/>
-          <p:cNvSpPr>
-            <a:spLocks noGrp="1"/>
-          </p:cNvSpPr>
-          <p:nvPr>
-            <p:ph type="title"/>
-          </p:nvPr>
-        </p:nvSpPr>
-        <p:spPr/>
-        <p:txBody>
-          <a:bodyPr/>
-          <a:lstStyle/>
-          <a:p>
-            <a:r>
-              <a:rPr lang="en-US" dirty="0" err="1" smtClean="0"/>
-              <a:t>Customer.service.spec.ts</a:t>
-            </a:r>
-            <a:endParaRPr lang="en-US" dirty="0"/>
-          </a:p>
-        </p:txBody>
-      </p:sp>
-      <p:pic>
-        <p:nvPicPr>
-          <p:cNvPr id="4" name="Content Placeholder 3"/>
-          <p:cNvPicPr>
-            <a:picLocks noGrp="1" noChangeAspect="1"/>
-          </p:cNvPicPr>
-          <p:nvPr>
-            <p:ph idx="1"/>
-          </p:nvPr>
-        </p:nvPicPr>
-        <p:blipFill>
-          <a:blip r:embed="rId2"/>
-          <a:stretch>
-            <a:fillRect/>
-          </a:stretch>
-        </p:blipFill>
-        <p:spPr>
-          <a:xfrm>
-            <a:off x="1756538" y="1825625"/>
-            <a:ext cx="8678924" cy="4351338"/>
-          </a:xfrm>
-          <a:prstGeom prst="rect">
-            <a:avLst/>
-          </a:prstGeom>
-        </p:spPr>
-      </p:pic>
-    </p:spTree>
-    <p:extLst>
-      <p:ext uri="{BB962C8B-B14F-4D97-AF65-F5344CB8AC3E}">
-        <p14:creationId xmlns:p14="http://schemas.microsoft.com/office/powerpoint/2010/main" val="2704202823"/>
-      </p:ext>
-    </p:extLst>
-  </p:cSld>
-  <p:clrMapOvr>
-    <a:masterClrMapping/>
-  </p:clrMapOvr>
-</p:sld>
-</file>
-
-<file path=ppt/slides/slide24.xml><?xml version="1.0" encoding="utf-8"?>
-<p:sld xmlns:a="http://schemas.openxmlformats.org/drawingml/2006/main" xmlns:r="http://schemas.openxmlformats.org/officeDocument/2006/relationships" xmlns:p="http://schemas.openxmlformats.org/presentationml/2006/main">
-  <p:cSld>
-    <p:spTree>
-      <p:nvGrpSpPr>
-        <p:cNvPr id="1" name=""/>
-        <p:cNvGrpSpPr/>
-        <p:nvPr/>
-      </p:nvGrpSpPr>
-      <p:grpSpPr>
-        <a:xfrm>
-          <a:off x="0" y="0"/>
-          <a:ext cx="0" cy="0"/>
-          <a:chOff x="0" y="0"/>
-          <a:chExt cx="0" cy="0"/>
-        </a:xfrm>
-      </p:grpSpPr>
-      <p:sp>
-        <p:nvSpPr>
-          <p:cNvPr id="2" name="Title 1"/>
-          <p:cNvSpPr>
-            <a:spLocks noGrp="1"/>
-          </p:cNvSpPr>
-          <p:nvPr>
-            <p:ph type="title"/>
-          </p:nvPr>
-        </p:nvSpPr>
-        <p:spPr/>
-        <p:txBody>
-          <a:bodyPr/>
-          <a:lstStyle/>
-          <a:p>
-            <a:r>
-              <a:rPr lang="en-US" dirty="0" err="1" smtClean="0"/>
-              <a:t>Transaction.service.spec.ts</a:t>
-            </a:r>
-            <a:endParaRPr lang="en-US" dirty="0"/>
-          </a:p>
-        </p:txBody>
-      </p:sp>
-      <p:pic>
-        <p:nvPicPr>
-          <p:cNvPr id="4" name="Content Placeholder 3"/>
-          <p:cNvPicPr>
-            <a:picLocks noGrp="1" noChangeAspect="1"/>
-          </p:cNvPicPr>
-          <p:nvPr>
-            <p:ph idx="1"/>
-          </p:nvPr>
-        </p:nvPicPr>
-        <p:blipFill>
-          <a:blip r:embed="rId2"/>
-          <a:stretch>
-            <a:fillRect/>
-          </a:stretch>
-        </p:blipFill>
-        <p:spPr>
-          <a:xfrm>
-            <a:off x="1754331" y="1825625"/>
-            <a:ext cx="8683337" cy="4351338"/>
-          </a:xfrm>
-          <a:prstGeom prst="rect">
-            <a:avLst/>
-          </a:prstGeom>
-        </p:spPr>
-      </p:pic>
-    </p:spTree>
-    <p:extLst>
-      <p:ext uri="{BB962C8B-B14F-4D97-AF65-F5344CB8AC3E}">
-        <p14:creationId xmlns:p14="http://schemas.microsoft.com/office/powerpoint/2010/main" val="3571270620"/>
-      </p:ext>
-    </p:extLst>
-  </p:cSld>
-  <p:clrMapOvr>
-    <a:masterClrMapping/>
-  </p:clrMapOvr>
-</p:sld>
-</file>
-
-<file path=ppt/slides/slide25.xml><?xml version="1.0" encoding="utf-8"?>
-<p:sld xmlns:a="http://schemas.openxmlformats.org/drawingml/2006/main" xmlns:r="http://schemas.openxmlformats.org/officeDocument/2006/relationships" xmlns:p="http://schemas.openxmlformats.org/presentationml/2006/main">
-  <p:cSld>
-    <p:spTree>
-      <p:nvGrpSpPr>
-        <p:cNvPr id="1" name=""/>
-        <p:cNvGrpSpPr/>
-        <p:nvPr/>
-      </p:nvGrpSpPr>
-      <p:grpSpPr>
-        <a:xfrm>
-          <a:off x="0" y="0"/>
-          <a:ext cx="0" cy="0"/>
-          <a:chOff x="0" y="0"/>
-          <a:chExt cx="0" cy="0"/>
-        </a:xfrm>
-      </p:grpSpPr>
-      <p:pic>
-        <p:nvPicPr>
-          <p:cNvPr id="2" name="Picture 1"/>
-          <p:cNvPicPr>
-            <a:picLocks noChangeAspect="1"/>
-          </p:cNvPicPr>
-          <p:nvPr/>
-        </p:nvPicPr>
-        <p:blipFill>
-          <a:blip r:embed="rId2"/>
-          <a:stretch>
-            <a:fillRect/>
-          </a:stretch>
-        </p:blipFill>
-        <p:spPr>
-          <a:xfrm>
-            <a:off x="0" y="-443347"/>
-            <a:ext cx="12192000" cy="7253897"/>
-          </a:xfrm>
-          <a:prstGeom prst="rect">
-            <a:avLst/>
-          </a:prstGeom>
-        </p:spPr>
-      </p:pic>
-    </p:spTree>
-    <p:extLst>
-      <p:ext uri="{BB962C8B-B14F-4D97-AF65-F5344CB8AC3E}">
-        <p14:creationId xmlns:p14="http://schemas.microsoft.com/office/powerpoint/2010/main" val="4080667158"/>
+        <p14:creationId xmlns:p14="http://schemas.microsoft.com/office/powerpoint/2010/main" val="2353198277"/>
       </p:ext>
     </p:extLst>
   </p:cSld>
@@ -4489,7 +3493,7 @@
           <a:p>
             <a:r>
               <a:rPr lang="en-US" dirty="0" smtClean="0"/>
-              <a:t>Unit testing </a:t>
+              <a:t>Mongo DB </a:t>
             </a:r>
             <a:endParaRPr lang="en-US" dirty="0"/>
           </a:p>
@@ -4512,33 +3516,79 @@
           <a:p>
             <a:r>
               <a:rPr lang="en-US" dirty="0"/>
-              <a:t>Unit testing is </a:t>
-            </a:r>
-            <a:r>
-              <a:rPr lang="en-US" b="1" dirty="0"/>
-              <a:t>a software development process in which the smallest testable parts of an application, called </a:t>
-            </a:r>
-            <a:r>
-              <a:rPr lang="en-US" b="1" dirty="0" smtClean="0"/>
-              <a:t>units</a:t>
-            </a:r>
-          </a:p>
-          <a:p>
-            <a:r>
-              <a:rPr lang="en-US" b="1" dirty="0"/>
-              <a:t>Unit Testing</a:t>
+              <a:t>MongoDB is an open source </a:t>
+            </a:r>
+            <a:r>
+              <a:rPr lang="en-US" u="sng" dirty="0">
+                <a:hlinkClick r:id="rId2"/>
+              </a:rPr>
+              <a:t>NoSQL</a:t>
             </a:r>
             <a:r>
               <a:rPr lang="en-US" dirty="0"/>
-              <a:t> is a type of software testing where individual units or components of a software are tested.</a:t>
-            </a:r>
+              <a:t> database management program</a:t>
+            </a:r>
+            <a:r>
+              <a:rPr lang="en-US" dirty="0" smtClean="0"/>
+              <a:t>.</a:t>
+            </a:r>
+          </a:p>
+          <a:p>
+            <a:r>
+              <a:rPr lang="en-US" dirty="0"/>
+              <a:t>NoSQL (Not only SQL) is used as an alternative to traditional relational databases. </a:t>
+            </a:r>
+            <a:endParaRPr lang="en-US" dirty="0" smtClean="0"/>
+          </a:p>
+          <a:p>
+            <a:r>
+              <a:rPr lang="en-US" dirty="0"/>
+              <a:t> NoSQL databases are quite useful for working with large sets of distributed data</a:t>
+            </a:r>
+            <a:r>
+              <a:rPr lang="en-US" dirty="0" smtClean="0"/>
+              <a:t>.</a:t>
+            </a:r>
+          </a:p>
+          <a:p>
+            <a:r>
+              <a:rPr lang="en-US" dirty="0"/>
+              <a:t>MongoDB is a tool that can manage document-oriented information, store or retrieve information</a:t>
+            </a:r>
+            <a:r>
+              <a:rPr lang="en-US" dirty="0" smtClean="0"/>
+              <a:t>.</a:t>
+            </a:r>
+          </a:p>
+          <a:p>
+            <a:r>
+              <a:rPr lang="en-US" dirty="0" smtClean="0"/>
+              <a:t>In Mongo </a:t>
+            </a:r>
+            <a:r>
+              <a:rPr lang="en-US" dirty="0" err="1" smtClean="0"/>
+              <a:t>db</a:t>
+            </a:r>
+            <a:r>
+              <a:rPr lang="en-US" dirty="0" smtClean="0"/>
+              <a:t> database we store the data in </a:t>
+            </a:r>
+            <a:r>
+              <a:rPr lang="en-US" dirty="0" err="1" smtClean="0"/>
+              <a:t>json</a:t>
+            </a:r>
+            <a:r>
+              <a:rPr lang="en-US" dirty="0" smtClean="0"/>
+              <a:t> format using document. </a:t>
+            </a:r>
+            <a:endParaRPr lang="en-US" dirty="0"/>
           </a:p>
         </p:txBody>
       </p:sp>
     </p:spTree>
     <p:extLst>
       <p:ext uri="{BB962C8B-B14F-4D97-AF65-F5344CB8AC3E}">
-        <p14:creationId xmlns:p14="http://schemas.microsoft.com/office/powerpoint/2010/main" val="4216789358"/>
+        <p14:creationId xmlns:p14="http://schemas.microsoft.com/office/powerpoint/2010/main" val="965558226"/>
       </p:ext>
     </p:extLst>
   </p:cSld>
@@ -4582,7 +3632,7 @@
           <a:p>
             <a:r>
               <a:rPr lang="en-US" dirty="0" smtClean="0"/>
-              <a:t>Jasmine </a:t>
+              <a:t>RDBMS Vs Non SQL database (Mongo DB)</a:t>
             </a:r>
             <a:endParaRPr lang="en-US" dirty="0"/>
           </a:p>
@@ -4604,52 +3654,85 @@
           <a:lstStyle/>
           <a:p>
             <a:r>
-              <a:rPr lang="en-US" dirty="0"/>
-              <a:t>Jasmine is </a:t>
-            </a:r>
-            <a:r>
-              <a:rPr lang="en-US" b="1" dirty="0"/>
-              <a:t>an open-source and most popular JavaScript library testing framework to test any kind of JavaScript application</a:t>
-            </a:r>
-            <a:r>
-              <a:rPr lang="en-US" dirty="0" smtClean="0"/>
-              <a:t>.</a:t>
-            </a:r>
-          </a:p>
-          <a:p>
-            <a:r>
-              <a:rPr lang="en-US" b="1" dirty="0"/>
-              <a:t>Jasmine</a:t>
-            </a:r>
-            <a:r>
-              <a:rPr lang="en-US" dirty="0"/>
-              <a:t> is a behavior-driven development framework for </a:t>
-            </a:r>
-            <a:r>
-              <a:rPr lang="en-US" b="1" dirty="0"/>
-              <a:t>testing</a:t>
-            </a:r>
-            <a:r>
-              <a:rPr lang="en-US" dirty="0"/>
-              <a:t> JavaScript </a:t>
-            </a:r>
-            <a:r>
-              <a:rPr lang="en-US" dirty="0" smtClean="0"/>
-              <a:t>code</a:t>
-            </a:r>
-          </a:p>
-          <a:p>
-            <a:r>
-              <a:rPr lang="en-US" dirty="0" smtClean="0"/>
-              <a:t>Jasmine provided test suite, test case and assertion to test plain JavaScript code or JavaScript library or framework. </a:t>
-            </a:r>
+              <a:rPr lang="en-IN" dirty="0"/>
+              <a:t>RDMBS						</a:t>
+            </a:r>
+            <a:r>
+              <a:rPr lang="en-IN" dirty="0" smtClean="0"/>
+              <a:t>Mongo </a:t>
+            </a:r>
+            <a:r>
+              <a:rPr lang="en-IN" dirty="0"/>
+              <a:t>DB </a:t>
+            </a:r>
+            <a:endParaRPr lang="en-US" dirty="0"/>
+          </a:p>
+          <a:p>
+            <a:r>
+              <a:rPr lang="en-IN" dirty="0"/>
+              <a:t>Database 						</a:t>
+            </a:r>
+            <a:r>
+              <a:rPr lang="en-IN" dirty="0" smtClean="0"/>
+              <a:t>database </a:t>
+            </a:r>
+            <a:endParaRPr lang="en-US" dirty="0"/>
+          </a:p>
+          <a:p>
+            <a:r>
+              <a:rPr lang="en-IN" dirty="0"/>
+              <a:t>Table 						</a:t>
+            </a:r>
+            <a:r>
+              <a:rPr lang="en-IN" dirty="0" smtClean="0"/>
+              <a:t>collections </a:t>
+            </a:r>
+            <a:endParaRPr lang="en-US" dirty="0"/>
+          </a:p>
+          <a:p>
+            <a:r>
+              <a:rPr lang="en-IN" dirty="0"/>
+              <a:t>Records 					</a:t>
+            </a:r>
+            <a:r>
+              <a:rPr lang="en-IN" dirty="0"/>
+              <a:t>	</a:t>
+            </a:r>
+            <a:r>
+              <a:rPr lang="en-IN" dirty="0" smtClean="0"/>
+              <a:t>documents</a:t>
+            </a:r>
+            <a:r>
+              <a:rPr lang="en-IN" dirty="0"/>
+              <a:t>. </a:t>
+            </a:r>
+            <a:endParaRPr lang="en-US" dirty="0"/>
+          </a:p>
+          <a:p>
+            <a:r>
+              <a:rPr lang="en-IN" dirty="0"/>
+              <a:t>In table format					</a:t>
+            </a:r>
+            <a:r>
+              <a:rPr lang="en-IN" dirty="0" smtClean="0"/>
+              <a:t>in </a:t>
+            </a:r>
+            <a:r>
+              <a:rPr lang="en-IN" dirty="0" err="1"/>
+              <a:t>json</a:t>
+            </a:r>
+            <a:r>
+              <a:rPr lang="en-IN" dirty="0"/>
+              <a:t> format. </a:t>
+            </a:r>
+            <a:endParaRPr lang="en-US" dirty="0"/>
           </a:p>
         </p:txBody>
       </p:sp>
     </p:spTree>
     <p:extLst>
       <p:ext uri="{BB962C8B-B14F-4D97-AF65-F5344CB8AC3E}">
-        <p14:creationId xmlns:p14="http://schemas.microsoft.com/office/powerpoint/2010/main" val="215044487"/>
+        <p14:creationId xmlns:p14="http://schemas.microsoft.com/office/powerpoint/2010/main" val="2953111762"/>
       </p:ext>
     </p:extLst>
   </p:cSld>
@@ -4693,7 +3776,7 @@
           <a:p>
             <a:r>
               <a:rPr lang="en-US" dirty="0" smtClean="0"/>
-              <a:t>Karma </a:t>
+              <a:t>Connect to virtual lab with your login details  </a:t>
             </a:r>
             <a:endParaRPr lang="en-US" dirty="0"/>
           </a:p>
@@ -4716,31 +3799,7 @@
           <a:p>
             <a:r>
               <a:rPr lang="en-US" dirty="0" smtClean="0"/>
-              <a:t>Karma is test runner for testing framework. </a:t>
-            </a:r>
-          </a:p>
-          <a:p>
-            <a:r>
-              <a:rPr lang="en-US" dirty="0"/>
-              <a:t>Karma is essentially </a:t>
-            </a:r>
-            <a:r>
-              <a:rPr lang="en-US" b="1" dirty="0"/>
-              <a:t>a tool which spawns a web server that executes source code against test code for each of the browsers connected</a:t>
-            </a:r>
-            <a:r>
-              <a:rPr lang="en-US" dirty="0" smtClean="0"/>
-              <a:t>.</a:t>
-            </a:r>
-          </a:p>
-          <a:p>
-            <a:r>
-              <a:rPr lang="en-US" dirty="0"/>
-              <a:t>he results of each test against each browser are examined and displayed via the command line to the developer such that they can see which browsers and tests passed or failed</a:t>
-            </a:r>
-            <a:r>
-              <a:rPr lang="en-US" dirty="0" smtClean="0"/>
-              <a:t>.</a:t>
+              <a:t>Open the terminal in virtual lab. </a:t>
             </a:r>
           </a:p>
           <a:p>
@@ -4748,10 +3807,34 @@
           </a:p>
         </p:txBody>
       </p:sp>
+      <p:pic>
+        <p:nvPicPr>
+          <p:cNvPr id="4" name="Picture 3"/>
+          <p:cNvPicPr>
+            <a:picLocks noChangeAspect="1"/>
+          </p:cNvPicPr>
+          <p:nvPr/>
+        </p:nvPicPr>
+        <p:blipFill>
+          <a:blip r:embed="rId2"/>
+          <a:stretch>
+            <a:fillRect/>
+          </a:stretch>
+        </p:blipFill>
+        <p:spPr>
+          <a:xfrm>
+            <a:off x="7165038" y="1638889"/>
+            <a:ext cx="4290432" cy="4724809"/>
+          </a:xfrm>
+          <a:prstGeom prst="rect">
+            <a:avLst/>
+          </a:prstGeom>
+        </p:spPr>
+      </p:pic>
     </p:spTree>
     <p:extLst>
       <p:ext uri="{BB962C8B-B14F-4D97-AF65-F5344CB8AC3E}">
-        <p14:creationId xmlns:p14="http://schemas.microsoft.com/office/powerpoint/2010/main" val="2502013587"/>
+        <p14:creationId xmlns:p14="http://schemas.microsoft.com/office/powerpoint/2010/main" val="750538649"/>
       </p:ext>
     </p:extLst>
   </p:cSld>
@@ -4795,90 +3878,42 @@
           <a:p>
             <a:r>
               <a:rPr lang="en-US" dirty="0" smtClean="0"/>
-              <a:t>Testing plain JavaScript function </a:t>
+              <a:t>Write mongo command </a:t>
             </a:r>
             <a:endParaRPr lang="en-US" dirty="0"/>
           </a:p>
         </p:txBody>
       </p:sp>
-      <p:sp>
-        <p:nvSpPr>
-          <p:cNvPr id="3" name="Content Placeholder 2"/>
-          <p:cNvSpPr>
-            <a:spLocks noGrp="1"/>
-          </p:cNvSpPr>
+      <p:pic>
+        <p:nvPicPr>
+          <p:cNvPr id="4" name="Content Placeholder 3"/>
+          <p:cNvPicPr>
+            <a:picLocks noGrp="1" noChangeAspect="1"/>
+          </p:cNvPicPr>
           <p:nvPr>
             <p:ph idx="1"/>
           </p:nvPr>
-        </p:nvSpPr>
-        <p:spPr/>
-        <p:txBody>
-          <a:bodyPr/>
-          <a:lstStyle/>
-          <a:p>
-            <a:r>
-              <a:rPr lang="en-US" dirty="0" smtClean="0"/>
-              <a:t>First we need to download jasmine configuration details. </a:t>
-            </a:r>
-          </a:p>
-          <a:p>
-            <a:r>
-              <a:rPr lang="en-US" dirty="0" smtClean="0"/>
-              <a:t>Jasmine official website provide sample jasmine configuration details which we can download from the below </a:t>
-            </a:r>
-            <a:r>
-              <a:rPr lang="en-US" dirty="0" err="1" smtClean="0"/>
-              <a:t>git</a:t>
-            </a:r>
-            <a:r>
-              <a:rPr lang="en-US" dirty="0" smtClean="0"/>
-              <a:t>. </a:t>
-            </a:r>
-          </a:p>
-          <a:p>
-            <a:r>
-              <a:rPr lang="en-US" dirty="0">
-                <a:hlinkClick r:id="rId2"/>
-              </a:rPr>
-              <a:t>https://</a:t>
-            </a:r>
-            <a:r>
-              <a:rPr lang="en-US" dirty="0" smtClean="0">
-                <a:hlinkClick r:id="rId2"/>
-              </a:rPr>
-              <a:t>github.com/jasmine/jasmine/releases</a:t>
-            </a:r>
-            <a:endParaRPr lang="en-US" dirty="0" smtClean="0"/>
-          </a:p>
-          <a:p>
-            <a:r>
-              <a:rPr lang="en-US" dirty="0" smtClean="0"/>
-              <a:t>Open downloaded sample project from </a:t>
-            </a:r>
-            <a:r>
-              <a:rPr lang="en-US" dirty="0" err="1" smtClean="0"/>
-              <a:t>git</a:t>
-            </a:r>
-            <a:r>
-              <a:rPr lang="en-US" dirty="0" smtClean="0"/>
-              <a:t>. </a:t>
-            </a:r>
-          </a:p>
-          <a:p>
-            <a:r>
-              <a:rPr lang="en-US" dirty="0" smtClean="0"/>
-              <a:t>Extract this project and write simple JavaScript function to test the code using jasmine. </a:t>
-            </a:r>
-          </a:p>
-          <a:p>
-            <a:endParaRPr lang="en-US" dirty="0"/>
-          </a:p>
-        </p:txBody>
-      </p:sp>
+        </p:nvPicPr>
+        <p:blipFill>
+          <a:blip r:embed="rId2"/>
+          <a:stretch>
+            <a:fillRect/>
+          </a:stretch>
+        </p:blipFill>
+        <p:spPr>
+          <a:xfrm>
+            <a:off x="2129446" y="2092318"/>
+            <a:ext cx="7933107" cy="3817951"/>
+          </a:xfrm>
+          <a:prstGeom prst="rect">
+            <a:avLst/>
+          </a:prstGeom>
+        </p:spPr>
+      </p:pic>
     </p:spTree>
     <p:extLst>
       <p:ext uri="{BB962C8B-B14F-4D97-AF65-F5344CB8AC3E}">
-        <p14:creationId xmlns:p14="http://schemas.microsoft.com/office/powerpoint/2010/main" val="3647326601"/>
+        <p14:creationId xmlns:p14="http://schemas.microsoft.com/office/powerpoint/2010/main" val="290607719"/>
       </p:ext>
     </p:extLst>
   </p:cSld>
@@ -4922,7 +3957,7 @@
           <a:p>
             <a:r>
               <a:rPr lang="en-US" dirty="0" smtClean="0"/>
-              <a:t>Jasmine sample project structure </a:t>
+              <a:t>If mongo present then it will open mongo terminal </a:t>
             </a:r>
             <a:endParaRPr lang="en-US" dirty="0"/>
           </a:p>
@@ -4946,8 +3981,8 @@
         </p:blipFill>
         <p:spPr>
           <a:xfrm>
-            <a:off x="4222507" y="1825625"/>
-            <a:ext cx="3746985" cy="4351338"/>
+            <a:off x="2682335" y="1825625"/>
+            <a:ext cx="6827329" cy="4351338"/>
           </a:xfrm>
           <a:prstGeom prst="rect">
             <a:avLst/>
@@ -4957,7 +3992,7 @@
     </p:spTree>
     <p:extLst>
       <p:ext uri="{BB962C8B-B14F-4D97-AF65-F5344CB8AC3E}">
-        <p14:creationId xmlns:p14="http://schemas.microsoft.com/office/powerpoint/2010/main" val="1835323793"/>
+        <p14:creationId xmlns:p14="http://schemas.microsoft.com/office/powerpoint/2010/main" val="1103677538"/>
       </p:ext>
     </p:extLst>
   </p:cSld>
@@ -5001,29 +4036,115 @@
           <a:p>
             <a:r>
               <a:rPr lang="en-US" dirty="0" smtClean="0"/>
-              <a:t>Now create sample </a:t>
+              <a:t>To clear the screen we have to write </a:t>
             </a:r>
             <a:r>
               <a:rPr lang="en-US" dirty="0" err="1" smtClean="0"/>
-              <a:t>js</a:t>
-            </a:r>
-            <a:r>
-              <a:rPr lang="en-US" dirty="0" smtClean="0"/>
-              <a:t> file with simple function </a:t>
-            </a:r>
+              <a:t>cls</a:t>
+            </a:r>
+            <a:endParaRPr lang="en-US" dirty="0"/>
+          </a:p>
+        </p:txBody>
+      </p:sp>
+      <p:sp>
+        <p:nvSpPr>
+          <p:cNvPr id="3" name="Content Placeholder 2"/>
+          <p:cNvSpPr>
+            <a:spLocks noGrp="1"/>
+          </p:cNvSpPr>
+          <p:nvPr>
+            <p:ph idx="1"/>
+          </p:nvPr>
+        </p:nvSpPr>
+        <p:spPr>
+          <a:xfrm>
+            <a:off x="838200" y="1825625"/>
+            <a:ext cx="5091545" cy="4351338"/>
+          </a:xfrm>
+        </p:spPr>
+        <p:txBody>
+          <a:bodyPr/>
+          <a:lstStyle/>
+          <a:p>
+            <a:r>
+              <a:rPr lang="en-US" dirty="0" smtClean="0"/>
+              <a:t>To see all database </a:t>
+            </a:r>
+          </a:p>
+          <a:p>
+            <a:r>
+              <a:rPr lang="en-US" dirty="0"/>
+              <a:t>s</a:t>
+            </a:r>
+            <a:r>
+              <a:rPr lang="en-US" dirty="0" smtClean="0"/>
+              <a:t>how </a:t>
+            </a:r>
+            <a:r>
+              <a:rPr lang="en-US" dirty="0" err="1" smtClean="0"/>
+              <a:t>dbs</a:t>
+            </a:r>
+            <a:r>
+              <a:rPr lang="en-US" dirty="0" smtClean="0"/>
+              <a:t> </a:t>
+            </a:r>
+          </a:p>
+          <a:p>
+            <a:r>
+              <a:rPr lang="en-US" dirty="0" smtClean="0"/>
+              <a:t>To move or create new </a:t>
+            </a:r>
+            <a:r>
+              <a:rPr lang="en-US" dirty="0" err="1" smtClean="0"/>
+              <a:t>db</a:t>
+            </a:r>
+            <a:r>
+              <a:rPr lang="en-US" dirty="0" smtClean="0"/>
+              <a:t> </a:t>
+            </a:r>
+          </a:p>
+          <a:p>
+            <a:r>
+              <a:rPr lang="en-US" dirty="0"/>
+              <a:t>u</a:t>
+            </a:r>
+            <a:r>
+              <a:rPr lang="en-US" dirty="0" smtClean="0"/>
+              <a:t>se </a:t>
+            </a:r>
+            <a:r>
+              <a:rPr lang="en-US" dirty="0" err="1" smtClean="0"/>
+              <a:t>dbname</a:t>
+            </a:r>
+            <a:r>
+              <a:rPr lang="en-US" dirty="0" smtClean="0"/>
+              <a:t> </a:t>
+            </a:r>
+          </a:p>
+          <a:p>
+            <a:r>
+              <a:rPr lang="en-US" dirty="0" smtClean="0"/>
+              <a:t>To view all collection </a:t>
+            </a:r>
+          </a:p>
+          <a:p>
+            <a:r>
+              <a:rPr lang="en-US" dirty="0" smtClean="0"/>
+              <a:t>Show collections </a:t>
+            </a:r>
+          </a:p>
+          <a:p>
             <a:endParaRPr lang="en-US" dirty="0"/>
           </a:p>
         </p:txBody>
       </p:sp>
       <p:pic>
         <p:nvPicPr>
-          <p:cNvPr id="6" name="Content Placeholder 5"/>
+          <p:cNvPr id="4" name="Picture 3"/>
           <p:cNvPicPr>
-            <a:picLocks noGrp="1" noChangeAspect="1"/>
+            <a:picLocks noChangeAspect="1"/>
           </p:cNvPicPr>
-          <p:nvPr>
-            <p:ph idx="1"/>
-          </p:nvPr>
+          <p:nvPr/>
         </p:nvPicPr>
         <p:blipFill>
           <a:blip r:embed="rId2"/>
@@ -5033,8 +4154,8 @@
         </p:blipFill>
         <p:spPr>
           <a:xfrm>
-            <a:off x="3182550" y="1825625"/>
-            <a:ext cx="5826899" cy="4351338"/>
+            <a:off x="7128604" y="1536010"/>
+            <a:ext cx="3162574" cy="4930567"/>
           </a:xfrm>
           <a:prstGeom prst="rect">
             <a:avLst/>
@@ -5044,7 +4165,7 @@
     </p:spTree>
     <p:extLst>
       <p:ext uri="{BB962C8B-B14F-4D97-AF65-F5344CB8AC3E}">
-        <p14:creationId xmlns:p14="http://schemas.microsoft.com/office/powerpoint/2010/main" val="733112128"/>
+        <p14:creationId xmlns:p14="http://schemas.microsoft.com/office/powerpoint/2010/main" val="1519319346"/>
       </p:ext>
     </p:extLst>
   </p:cSld>
@@ -5088,7 +4209,119 @@
           <a:p>
             <a:r>
               <a:rPr lang="en-US" dirty="0" smtClean="0"/>
-              <a:t>Sample test case </a:t>
+              <a:t>To create collection and store documents. </a:t>
+            </a:r>
+            <a:endParaRPr lang="en-US" dirty="0"/>
+          </a:p>
+        </p:txBody>
+      </p:sp>
+      <p:sp>
+        <p:nvSpPr>
+          <p:cNvPr id="3" name="Content Placeholder 2"/>
+          <p:cNvSpPr>
+            <a:spLocks noGrp="1"/>
+          </p:cNvSpPr>
+          <p:nvPr>
+            <p:ph idx="1"/>
+          </p:nvPr>
+        </p:nvSpPr>
+        <p:spPr>
+          <a:xfrm>
+            <a:off x="64655" y="1825625"/>
+            <a:ext cx="6095999" cy="4351338"/>
+          </a:xfrm>
+        </p:spPr>
+        <p:txBody>
+          <a:bodyPr/>
+          <a:lstStyle/>
+          <a:p>
+            <a:r>
+              <a:rPr lang="en-US" dirty="0" smtClean="0"/>
+              <a:t>Insert document in </a:t>
+            </a:r>
+            <a:r>
+              <a:rPr lang="en-US" dirty="0"/>
+              <a:t>E</a:t>
+            </a:r>
+            <a:r>
+              <a:rPr lang="en-US" dirty="0" smtClean="0"/>
+              <a:t>mployee collection </a:t>
+            </a:r>
+          </a:p>
+          <a:p>
+            <a:r>
+              <a:rPr lang="en-US" dirty="0" err="1" smtClean="0"/>
+              <a:t>db.CollectionName.insert</a:t>
+            </a:r>
+            <a:r>
+              <a:rPr lang="en-US" dirty="0" smtClean="0"/>
+              <a:t>({</a:t>
+            </a:r>
+            <a:r>
+              <a:rPr lang="en-US" dirty="0" err="1" smtClean="0"/>
+              <a:t>key:value</a:t>
+            </a:r>
+            <a:r>
+              <a:rPr lang="en-US" dirty="0" smtClean="0"/>
+              <a:t>})</a:t>
+            </a:r>
+          </a:p>
+          <a:p>
+            <a:pPr lvl="1"/>
+            <a:r>
+              <a:rPr lang="en-US" dirty="0" err="1"/>
+              <a:t>d</a:t>
+            </a:r>
+            <a:r>
+              <a:rPr lang="en-US" dirty="0" err="1" smtClean="0"/>
+              <a:t>b.Employee.insert</a:t>
+            </a:r>
+            <a:r>
+              <a:rPr lang="en-US" dirty="0" smtClean="0"/>
+              <a:t>({</a:t>
+            </a:r>
+            <a:r>
+              <a:rPr lang="en-US" dirty="0" err="1" smtClean="0"/>
+              <a:t>name:”Ravi</a:t>
+            </a:r>
+            <a:r>
+              <a:rPr lang="en-US" dirty="0" smtClean="0"/>
+              <a:t>”})</a:t>
+            </a:r>
+          </a:p>
+          <a:p>
+            <a:r>
+              <a:rPr lang="en-US" dirty="0"/>
+              <a:t>v</a:t>
+            </a:r>
+            <a:r>
+              <a:rPr lang="en-US" dirty="0" smtClean="0"/>
+              <a:t>iew documents from Employee collection </a:t>
+            </a:r>
+          </a:p>
+          <a:p>
+            <a:r>
+              <a:rPr lang="en-US" dirty="0" err="1" smtClean="0"/>
+              <a:t>db.CollectionName.find</a:t>
+            </a:r>
+            <a:r>
+              <a:rPr lang="en-US" dirty="0" smtClean="0"/>
+              <a:t>();</a:t>
+            </a:r>
+          </a:p>
+          <a:p>
+            <a:pPr lvl="1"/>
+            <a:r>
+              <a:rPr lang="en-US" dirty="0" err="1"/>
+              <a:t>d</a:t>
+            </a:r>
+            <a:r>
+              <a:rPr lang="en-US" dirty="0" err="1" smtClean="0"/>
+              <a:t>b.Employee.find</a:t>
+            </a:r>
+            <a:r>
+              <a:rPr lang="en-US" dirty="0" smtClean="0"/>
+              <a:t>();</a:t>
             </a:r>
             <a:endParaRPr lang="en-US" dirty="0"/>
           </a:p>
@@ -5096,13 +4329,11 @@
       </p:sp>
       <p:pic>
         <p:nvPicPr>
-          <p:cNvPr id="4" name="Content Placeholder 3"/>
+          <p:cNvPr id="4" name="Picture 3"/>
           <p:cNvPicPr>
-            <a:picLocks noGrp="1" noChangeAspect="1"/>
+            <a:picLocks noChangeAspect="1"/>
           </p:cNvPicPr>
-          <p:nvPr>
-            <p:ph idx="1"/>
-          </p:nvPr>
+          <p:nvPr/>
         </p:nvPicPr>
         <p:blipFill>
           <a:blip r:embed="rId2"/>
@@ -5112,8 +4343,8 @@
         </p:blipFill>
         <p:spPr>
           <a:xfrm>
-            <a:off x="2336774" y="1825625"/>
-            <a:ext cx="7518451" cy="4351338"/>
+            <a:off x="6245297" y="1591236"/>
+            <a:ext cx="5614195" cy="4359018"/>
           </a:xfrm>
           <a:prstGeom prst="rect">
             <a:avLst/>
@@ -5123,7 +4354,7 @@
     </p:spTree>
     <p:extLst>
       <p:ext uri="{BB962C8B-B14F-4D97-AF65-F5344CB8AC3E}">
-        <p14:creationId xmlns:p14="http://schemas.microsoft.com/office/powerpoint/2010/main" val="2083326486"/>
+        <p14:creationId xmlns:p14="http://schemas.microsoft.com/office/powerpoint/2010/main" val="3546565282"/>
       </p:ext>
     </p:extLst>
   </p:cSld>
